--- a/reference_material/slides/020_Linear_Least_Squares.pptx
+++ b/reference_material/slides/020_Linear_Least_Squares.pptx
@@ -5,25 +5,26 @@
     <p:sldMasterId id="2147483660" r:id="rId1"/>
   </p:sldMasterIdLst>
   <p:notesMasterIdLst>
-    <p:notesMasterId r:id="rId18"/>
+    <p:notesMasterId r:id="rId19"/>
   </p:notesMasterIdLst>
   <p:sldIdLst>
-    <p:sldId id="256" r:id="rId2"/>
-    <p:sldId id="257" r:id="rId3"/>
-    <p:sldId id="259" r:id="rId4"/>
-    <p:sldId id="264" r:id="rId5"/>
-    <p:sldId id="273" r:id="rId6"/>
-    <p:sldId id="269" r:id="rId7"/>
-    <p:sldId id="272" r:id="rId8"/>
-    <p:sldId id="276" r:id="rId9"/>
-    <p:sldId id="274" r:id="rId10"/>
-    <p:sldId id="277" r:id="rId11"/>
-    <p:sldId id="265" r:id="rId12"/>
-    <p:sldId id="275" r:id="rId13"/>
-    <p:sldId id="278" r:id="rId14"/>
-    <p:sldId id="279" r:id="rId15"/>
-    <p:sldId id="280" r:id="rId16"/>
-    <p:sldId id="281" r:id="rId17"/>
+    <p:sldId id="282" r:id="rId2"/>
+    <p:sldId id="256" r:id="rId3"/>
+    <p:sldId id="257" r:id="rId4"/>
+    <p:sldId id="259" r:id="rId5"/>
+    <p:sldId id="264" r:id="rId6"/>
+    <p:sldId id="273" r:id="rId7"/>
+    <p:sldId id="269" r:id="rId8"/>
+    <p:sldId id="272" r:id="rId9"/>
+    <p:sldId id="276" r:id="rId10"/>
+    <p:sldId id="274" r:id="rId11"/>
+    <p:sldId id="277" r:id="rId12"/>
+    <p:sldId id="265" r:id="rId13"/>
+    <p:sldId id="275" r:id="rId14"/>
+    <p:sldId id="278" r:id="rId15"/>
+    <p:sldId id="279" r:id="rId16"/>
+    <p:sldId id="280" r:id="rId17"/>
+    <p:sldId id="281" r:id="rId18"/>
   </p:sldIdLst>
   <p:sldSz cx="12192000" cy="6858000"/>
   <p:notesSz cx="6858000" cy="9144000"/>
@@ -122,6 +123,11 @@
       </a:defRPr>
     </a:lvl9pPr>
   </p:defaultTextStyle>
+  <p:extLst>
+    <p:ext uri="{EFAFB233-063F-42B5-8137-9DF3F51BA10A}">
+      <p15:sldGuideLst xmlns:p15="http://schemas.microsoft.com/office/powerpoint/2012/main"/>
+    </p:ext>
+  </p:extLst>
 </p:presentation>
 </file>
 
@@ -215,7 +221,7 @@
           <a:p>
             <a:fld id="{265333B3-BBF2-434F-9844-D2FF01DBD600}" type="datetimeFigureOut">
               <a:rPr lang="en-US" smtClean="0"/>
-              <a:t>11/7/21</a:t>
+              <a:t>11/4/22</a:t>
             </a:fld>
             <a:endParaRPr lang="en-US"/>
           </a:p>
@@ -1250,7 +1256,7 @@
           <a:p>
             <a:fld id="{43ED9329-DED2-9C4C-8B6A-8B4D879680E1}" type="datetimeFigureOut">
               <a:rPr lang="en-US" smtClean="0"/>
-              <a:t>11/7/21</a:t>
+              <a:t>11/4/22</a:t>
             </a:fld>
             <a:endParaRPr lang="en-US"/>
           </a:p>
@@ -1461,7 +1467,7 @@
           <a:p>
             <a:fld id="{43ED9329-DED2-9C4C-8B6A-8B4D879680E1}" type="datetimeFigureOut">
               <a:rPr lang="en-US" smtClean="0"/>
-              <a:t>11/7/21</a:t>
+              <a:t>11/4/22</a:t>
             </a:fld>
             <a:endParaRPr lang="en-US"/>
           </a:p>
@@ -1676,7 +1682,7 @@
           <a:p>
             <a:fld id="{43ED9329-DED2-9C4C-8B6A-8B4D879680E1}" type="datetimeFigureOut">
               <a:rPr lang="en-US" smtClean="0"/>
-              <a:t>11/7/21</a:t>
+              <a:t>11/4/22</a:t>
             </a:fld>
             <a:endParaRPr lang="en-US"/>
           </a:p>
@@ -2254,7 +2260,7 @@
           <a:p>
             <a:fld id="{43ED9329-DED2-9C4C-8B6A-8B4D879680E1}" type="datetimeFigureOut">
               <a:rPr lang="en-US" smtClean="0"/>
-              <a:t>11/7/21</a:t>
+              <a:t>11/4/22</a:t>
             </a:fld>
             <a:endParaRPr lang="en-US"/>
           </a:p>
@@ -2533,7 +2539,7 @@
           <a:p>
             <a:fld id="{43ED9329-DED2-9C4C-8B6A-8B4D879680E1}" type="datetimeFigureOut">
               <a:rPr lang="en-US" smtClean="0"/>
-              <a:t>11/7/21</a:t>
+              <a:t>11/4/22</a:t>
             </a:fld>
             <a:endParaRPr lang="en-US"/>
           </a:p>
@@ -2801,7 +2807,7 @@
           <a:p>
             <a:fld id="{43ED9329-DED2-9C4C-8B6A-8B4D879680E1}" type="datetimeFigureOut">
               <a:rPr lang="en-US" smtClean="0"/>
-              <a:t>11/7/21</a:t>
+              <a:t>11/4/22</a:t>
             </a:fld>
             <a:endParaRPr lang="en-US"/>
           </a:p>
@@ -3217,7 +3223,7 @@
           <a:p>
             <a:fld id="{43ED9329-DED2-9C4C-8B6A-8B4D879680E1}" type="datetimeFigureOut">
               <a:rPr lang="en-US" smtClean="0"/>
-              <a:t>11/7/21</a:t>
+              <a:t>11/4/22</a:t>
             </a:fld>
             <a:endParaRPr lang="en-US"/>
           </a:p>
@@ -3366,7 +3372,7 @@
           <a:p>
             <a:fld id="{43ED9329-DED2-9C4C-8B6A-8B4D879680E1}" type="datetimeFigureOut">
               <a:rPr lang="en-US" smtClean="0"/>
-              <a:t>11/7/21</a:t>
+              <a:t>11/4/22</a:t>
             </a:fld>
             <a:endParaRPr lang="en-US"/>
           </a:p>
@@ -3492,7 +3498,7 @@
           <a:p>
             <a:fld id="{43ED9329-DED2-9C4C-8B6A-8B4D879680E1}" type="datetimeFigureOut">
               <a:rPr lang="en-US" smtClean="0"/>
-              <a:t>11/7/21</a:t>
+              <a:t>11/4/22</a:t>
             </a:fld>
             <a:endParaRPr lang="en-US"/>
           </a:p>
@@ -3743,7 +3749,7 @@
           <a:p>
             <a:fld id="{43ED9329-DED2-9C4C-8B6A-8B4D879680E1}" type="datetimeFigureOut">
               <a:rPr lang="en-US" smtClean="0"/>
-              <a:t>11/7/21</a:t>
+              <a:t>11/4/22</a:t>
             </a:fld>
             <a:endParaRPr lang="en-US"/>
           </a:p>
@@ -4188,7 +4194,7 @@
           <a:p>
             <a:fld id="{43ED9329-DED2-9C4C-8B6A-8B4D879680E1}" type="datetimeFigureOut">
               <a:rPr lang="en-US" smtClean="0"/>
-              <a:t>11/7/21</a:t>
+              <a:t>11/4/22</a:t>
             </a:fld>
             <a:endParaRPr lang="en-US"/>
           </a:p>
@@ -4515,7 +4521,7 @@
           <a:p>
             <a:fld id="{43ED9329-DED2-9C4C-8B6A-8B4D879680E1}" type="datetimeFigureOut">
               <a:rPr lang="en-US" smtClean="0"/>
-              <a:t>11/7/21</a:t>
+              <a:t>11/4/22</a:t>
             </a:fld>
             <a:endParaRPr lang="en-US"/>
           </a:p>
@@ -5007,7 +5013,7 @@
           <p:cNvPr id="2" name="Title 1">
             <a:extLst>
               <a:ext uri="{FF2B5EF4-FFF2-40B4-BE49-F238E27FC236}">
-                <a16:creationId xmlns:a16="http://schemas.microsoft.com/office/drawing/2014/main" id="{786C86F8-E267-0D46-B219-0ADCF4337BA9}"/>
+                <a16:creationId xmlns:a16="http://schemas.microsoft.com/office/drawing/2014/main" id="{9BBAC9BD-1D38-3530-7185-4555E00A8B9E}"/>
               </a:ext>
             </a:extLst>
           </p:cNvPr>
@@ -5015,29 +5021,27 @@
             <a:spLocks noGrp="1"/>
           </p:cNvSpPr>
           <p:nvPr>
-            <p:ph type="ctrTitle"/>
+            <p:ph type="title"/>
           </p:nvPr>
         </p:nvSpPr>
         <p:spPr/>
         <p:txBody>
-          <a:bodyPr>
-            <a:normAutofit fontScale="90000"/>
-          </a:bodyPr>
+          <a:bodyPr/>
           <a:lstStyle/>
           <a:p>
             <a:r>
               <a:rPr lang="en-US" dirty="0"/>
-              <a:t>Linear Least Squares, Regression, and More Fun Stuff!!! Part 1. </a:t>
-            </a:r>
-          </a:p>
-        </p:txBody>
-      </p:sp>
-      <p:sp>
-        <p:nvSpPr>
-          <p:cNvPr id="3" name="Subtitle 2">
+              <a:t>Housekeeping</a:t>
+            </a:r>
+          </a:p>
+        </p:txBody>
+      </p:sp>
+      <p:sp>
+        <p:nvSpPr>
+          <p:cNvPr id="3" name="Content Placeholder 2">
             <a:extLst>
               <a:ext uri="{FF2B5EF4-FFF2-40B4-BE49-F238E27FC236}">
-                <a16:creationId xmlns:a16="http://schemas.microsoft.com/office/drawing/2014/main" id="{5FBA7666-BF3D-1449-A59F-D3BBC097A719}"/>
+                <a16:creationId xmlns:a16="http://schemas.microsoft.com/office/drawing/2014/main" id="{DC816DE0-8C2E-77BB-F05D-BFD0463AB544}"/>
               </a:ext>
             </a:extLst>
           </p:cNvPr>
@@ -5045,7 +5049,7 @@
             <a:spLocks noGrp="1"/>
           </p:cNvSpPr>
           <p:nvPr>
-            <p:ph type="subTitle" idx="1"/>
+            <p:ph idx="1"/>
           </p:nvPr>
         </p:nvSpPr>
         <p:spPr/>
@@ -5053,14 +5057,84 @@
           <a:bodyPr/>
           <a:lstStyle/>
           <a:p>
-            <a:endParaRPr lang="en-US"/>
+            <a:r>
+              <a:rPr lang="en-US" dirty="0"/>
+              <a:t>Today:</a:t>
+            </a:r>
+          </a:p>
+          <a:p>
+            <a:pPr lvl="1"/>
+            <a:r>
+              <a:rPr lang="en-US" dirty="0"/>
+              <a:t>Real Machine Mother F*</a:t>
+            </a:r>
+            <a:r>
+              <a:rPr lang="en-US" dirty="0" err="1"/>
+              <a:t>cking</a:t>
+            </a:r>
+            <a:r>
+              <a:rPr lang="en-US" dirty="0"/>
+              <a:t> Learning! (020 and maybe 021)</a:t>
+            </a:r>
+          </a:p>
+          <a:p>
+            <a:pPr lvl="1"/>
+            <a:r>
+              <a:rPr lang="en-US" dirty="0"/>
+              <a:t>Linear least squares -&gt; linear regression. </a:t>
+            </a:r>
+          </a:p>
+          <a:p>
+            <a:pPr lvl="1"/>
+            <a:r>
+              <a:rPr lang="en-US" dirty="0"/>
+              <a:t>Intro to </a:t>
+            </a:r>
+            <a:r>
+              <a:rPr lang="en-US" dirty="0" err="1"/>
+              <a:t>sklearn</a:t>
+            </a:r>
+            <a:r>
+              <a:rPr lang="en-US" dirty="0"/>
+              <a:t> regression (and </a:t>
+            </a:r>
+            <a:r>
+              <a:rPr lang="en-US" dirty="0" err="1"/>
+              <a:t>statsmodels</a:t>
+            </a:r>
+            <a:r>
+              <a:rPr lang="en-US" dirty="0"/>
+              <a:t> regression).</a:t>
+            </a:r>
+          </a:p>
+          <a:p>
+            <a:pPr lvl="2"/>
+            <a:r>
+              <a:rPr lang="en-US" dirty="0"/>
+              <a:t>The processes using the </a:t>
+            </a:r>
+            <a:r>
+              <a:rPr lang="en-US" dirty="0" err="1"/>
+              <a:t>sklearn</a:t>
+            </a:r>
+            <a:r>
+              <a:rPr lang="en-US" dirty="0"/>
+              <a:t> stuff carry through the ML stuff. </a:t>
+            </a:r>
+          </a:p>
+          <a:p>
+            <a:pPr lvl="1"/>
+            <a:r>
+              <a:rPr lang="en-US" dirty="0"/>
+              <a:t>Linear regression error calculations (depending on time). </a:t>
+            </a:r>
           </a:p>
         </p:txBody>
       </p:sp>
     </p:spTree>
     <p:extLst>
       <p:ext uri="{BB962C8B-B14F-4D97-AF65-F5344CB8AC3E}">
-        <p14:creationId xmlns:p14="http://schemas.microsoft.com/office/powerpoint/2010/main" val="3076179563"/>
+        <p14:creationId xmlns:p14="http://schemas.microsoft.com/office/powerpoint/2010/main" val="372611635"/>
       </p:ext>
     </p:extLst>
   </p:cSld>
@@ -5071,6 +5145,132 @@
 </file>
 
 <file path=ppt/slides/slide10.xml><?xml version="1.0" encoding="utf-8"?>
+<p:sld xmlns:a="http://schemas.openxmlformats.org/drawingml/2006/main" xmlns:r="http://schemas.openxmlformats.org/officeDocument/2006/relationships" xmlns:p="http://schemas.openxmlformats.org/presentationml/2006/main">
+  <p:cSld>
+    <p:spTree>
+      <p:nvGrpSpPr>
+        <p:cNvPr id="1" name=""/>
+        <p:cNvGrpSpPr/>
+        <p:nvPr/>
+      </p:nvGrpSpPr>
+      <p:grpSpPr>
+        <a:xfrm>
+          <a:off x="0" y="0"/>
+          <a:ext cx="0" cy="0"/>
+          <a:chOff x="0" y="0"/>
+          <a:chExt cx="0" cy="0"/>
+        </a:xfrm>
+      </p:grpSpPr>
+      <p:sp>
+        <p:nvSpPr>
+          <p:cNvPr id="2" name="Title 1">
+            <a:extLst>
+              <a:ext uri="{FF2B5EF4-FFF2-40B4-BE49-F238E27FC236}">
+                <a16:creationId xmlns:a16="http://schemas.microsoft.com/office/drawing/2014/main" id="{D2377D06-4713-E84F-8E72-AEB2C4E799B2}"/>
+              </a:ext>
+            </a:extLst>
+          </p:cNvPr>
+          <p:cNvSpPr>
+            <a:spLocks noGrp="1"/>
+          </p:cNvSpPr>
+          <p:nvPr>
+            <p:ph type="title"/>
+          </p:nvPr>
+        </p:nvSpPr>
+        <p:spPr/>
+        <p:txBody>
+          <a:bodyPr/>
+          <a:lstStyle/>
+          <a:p>
+            <a:r>
+              <a:rPr lang="en-US" dirty="0"/>
+              <a:t>Linear Least Squares</a:t>
+            </a:r>
+          </a:p>
+        </p:txBody>
+      </p:sp>
+      <p:sp>
+        <p:nvSpPr>
+          <p:cNvPr id="3" name="Content Placeholder 2">
+            <a:extLst>
+              <a:ext uri="{FF2B5EF4-FFF2-40B4-BE49-F238E27FC236}">
+                <a16:creationId xmlns:a16="http://schemas.microsoft.com/office/drawing/2014/main" id="{6CCE09E0-766C-6C47-8DAE-98FAF64B07EB}"/>
+              </a:ext>
+            </a:extLst>
+          </p:cNvPr>
+          <p:cNvSpPr>
+            <a:spLocks noGrp="1"/>
+          </p:cNvSpPr>
+          <p:nvPr>
+            <p:ph idx="1"/>
+          </p:nvPr>
+        </p:nvSpPr>
+        <p:spPr/>
+        <p:txBody>
+          <a:bodyPr/>
+          <a:lstStyle/>
+          <a:p>
+            <a:r>
+              <a:rPr lang="en-US" dirty="0"/>
+              <a:t>The line can be defined by the intercept and slope.</a:t>
+            </a:r>
+          </a:p>
+          <a:p>
+            <a:r>
+              <a:rPr lang="en-US" dirty="0"/>
+              <a:t>We generate a line that minimizes the square of the residuals. </a:t>
+            </a:r>
+          </a:p>
+          <a:p>
+            <a:r>
+              <a:rPr lang="en-US" dirty="0"/>
+              <a:t>Why?</a:t>
+            </a:r>
+          </a:p>
+          <a:p>
+            <a:pPr lvl="1"/>
+            <a:r>
+              <a:rPr lang="en-US" dirty="0"/>
+              <a:t>Small differences matter less than big ones.</a:t>
+            </a:r>
+          </a:p>
+          <a:p>
+            <a:pPr lvl="1"/>
+            <a:r>
+              <a:rPr lang="en-US" dirty="0"/>
+              <a:t>Squaring deals with negatives. </a:t>
+            </a:r>
+          </a:p>
+          <a:p>
+            <a:pPr lvl="1"/>
+            <a:r>
+              <a:rPr lang="en-US" dirty="0"/>
+              <a:t>Computationally efficient. (Mattered more in the past)</a:t>
+            </a:r>
+          </a:p>
+          <a:p>
+            <a:pPr lvl="1"/>
+            <a:r>
+              <a:rPr lang="en-US" dirty="0"/>
+              <a:t>Is (potentially) a good estimator for slope and intercept. </a:t>
+            </a:r>
+          </a:p>
+        </p:txBody>
+      </p:sp>
+    </p:spTree>
+    <p:extLst>
+      <p:ext uri="{BB962C8B-B14F-4D97-AF65-F5344CB8AC3E}">
+        <p14:creationId xmlns:p14="http://schemas.microsoft.com/office/powerpoint/2010/main" val="2081442222"/>
+      </p:ext>
+    </p:extLst>
+  </p:cSld>
+  <p:clrMapOvr>
+    <a:masterClrMapping/>
+  </p:clrMapOvr>
+</p:sld>
+</file>
+
+<file path=ppt/slides/slide11.xml><?xml version="1.0" encoding="utf-8"?>
 <p:sld xmlns:a="http://schemas.openxmlformats.org/drawingml/2006/main" xmlns:r="http://schemas.openxmlformats.org/officeDocument/2006/relationships" xmlns:p="http://schemas.openxmlformats.org/presentationml/2006/main">
   <p:cSld>
     <p:bg>
@@ -5164,8 +5364,8 @@
         </p:nvSpPr>
         <p:spPr>
           <a:xfrm>
-            <a:off x="1451579" y="2015734"/>
-            <a:ext cx="4162555" cy="3450613"/>
+            <a:off x="256478" y="1853754"/>
+            <a:ext cx="5837933" cy="4290568"/>
           </a:xfrm>
         </p:spPr>
         <p:txBody>
@@ -5180,7 +5380,7 @@
               </a:lnSpc>
             </a:pPr>
             <a:r>
-              <a:rPr lang="en-US" sz="1500" dirty="0"/>
+              <a:rPr lang="en-US" sz="1600" dirty="0"/>
               <a:t>This is the “learning” part of machine learning. </a:t>
             </a:r>
           </a:p>
@@ -5191,7 +5391,7 @@
               </a:lnSpc>
             </a:pPr>
             <a:r>
-              <a:rPr lang="en-US" sz="1500" dirty="0"/>
+              <a:rPr lang="en-US" sz="1600" dirty="0"/>
               <a:t>This step is the main thing that differs between other models – the math changes. </a:t>
             </a:r>
           </a:p>
@@ -5202,7 +5402,7 @@
               </a:lnSpc>
             </a:pPr>
             <a:r>
-              <a:rPr lang="en-US" sz="1500" dirty="0"/>
+              <a:rPr lang="en-US" sz="1600" dirty="0"/>
               <a:t>We can use:</a:t>
             </a:r>
           </a:p>
@@ -5213,19 +5413,19 @@
               </a:lnSpc>
             </a:pPr>
             <a:r>
-              <a:rPr lang="en-US" sz="1500" dirty="0" err="1"/>
+              <a:rPr lang="en-US" sz="1600" dirty="0" err="1"/>
               <a:t>LeastSquares</a:t>
             </a:r>
             <a:r>
-              <a:rPr lang="en-US" sz="1500" dirty="0"/>
+              <a:rPr lang="en-US" sz="1600" dirty="0"/>
               <a:t> from </a:t>
             </a:r>
             <a:r>
-              <a:rPr lang="en-US" sz="1500" dirty="0" err="1"/>
+              <a:rPr lang="en-US" sz="1600" dirty="0" err="1"/>
               <a:t>thinkplot</a:t>
             </a:r>
             <a:r>
-              <a:rPr lang="en-US" sz="1500" dirty="0"/>
+              <a:rPr lang="en-US" sz="1600" dirty="0"/>
               <a:t>.</a:t>
             </a:r>
           </a:p>
@@ -5236,11 +5436,11 @@
               </a:lnSpc>
             </a:pPr>
             <a:r>
-              <a:rPr lang="en-US" sz="1500" dirty="0" err="1"/>
+              <a:rPr lang="en-US" sz="1600" dirty="0" err="1"/>
               <a:t>StatsModels</a:t>
             </a:r>
             <a:r>
-              <a:rPr lang="en-US" sz="1500" dirty="0"/>
+              <a:rPr lang="en-US" sz="1600" dirty="0"/>
               <a:t> function.</a:t>
             </a:r>
           </a:p>
@@ -5251,11 +5451,11 @@
               </a:lnSpc>
             </a:pPr>
             <a:r>
-              <a:rPr lang="en-US" sz="1500" dirty="0" err="1"/>
+              <a:rPr lang="en-US" sz="1600" dirty="0" err="1"/>
               <a:t>Scipy</a:t>
             </a:r>
             <a:r>
-              <a:rPr lang="en-US" sz="1500" dirty="0"/>
+              <a:rPr lang="en-US" sz="1600" dirty="0"/>
               <a:t> functions. </a:t>
             </a:r>
           </a:p>
@@ -5266,8 +5466,41 @@
               </a:lnSpc>
             </a:pPr>
             <a:r>
-              <a:rPr lang="en-US" sz="1500" dirty="0"/>
+              <a:rPr lang="en-US" sz="1600" dirty="0"/>
               <a:t>Probably many other packages. </a:t>
+            </a:r>
+          </a:p>
+          <a:p>
+            <a:pPr>
+              <a:lnSpc>
+                <a:spcPct val="110000"/>
+              </a:lnSpc>
+            </a:pPr>
+            <a:r>
+              <a:rPr lang="en-US" sz="1800" dirty="0"/>
+              <a:t>The model (best fit line) is defined by the slope and intercept. </a:t>
+            </a:r>
+          </a:p>
+          <a:p>
+            <a:pPr lvl="1">
+              <a:lnSpc>
+                <a:spcPct val="110000"/>
+              </a:lnSpc>
+            </a:pPr>
+            <a:r>
+              <a:rPr lang="en-US" sz="1600" dirty="0"/>
+              <a:t>Add any X value to those two and you can predict Y. </a:t>
+            </a:r>
+          </a:p>
+          <a:p>
+            <a:pPr lvl="1">
+              <a:lnSpc>
+                <a:spcPct val="110000"/>
+              </a:lnSpc>
+            </a:pPr>
+            <a:r>
+              <a:rPr lang="en-US" sz="1600" dirty="0"/>
+              <a:t>The training process finds the ”best” calculation to do so.</a:t>
             </a:r>
           </a:p>
         </p:txBody>
@@ -5315,7 +5548,7 @@
 </p:sld>
 </file>
 
-<file path=ppt/slides/slide11.xml><?xml version="1.0" encoding="utf-8"?>
+<file path=ppt/slides/slide12.xml><?xml version="1.0" encoding="utf-8"?>
 <p:sld xmlns:a="http://schemas.openxmlformats.org/drawingml/2006/main" xmlns:r="http://schemas.openxmlformats.org/officeDocument/2006/relationships" xmlns:p="http://schemas.openxmlformats.org/presentationml/2006/main">
   <p:cSld>
     <p:spTree>
@@ -5523,178 +5756,6 @@
         </p:spPr>
       </p:pic>
     </p:spTree>
-  </p:cSld>
-  <p:clrMapOvr>
-    <a:masterClrMapping/>
-  </p:clrMapOvr>
-</p:sld>
-</file>
-
-<file path=ppt/slides/slide12.xml><?xml version="1.0" encoding="utf-8"?>
-<p:sld xmlns:a="http://schemas.openxmlformats.org/drawingml/2006/main" xmlns:r="http://schemas.openxmlformats.org/officeDocument/2006/relationships" xmlns:p="http://schemas.openxmlformats.org/presentationml/2006/main">
-  <p:cSld>
-    <p:bg>
-      <p:bgPr>
-        <a:gradFill rotWithShape="1">
-          <a:gsLst>
-            <a:gs pos="0">
-              <a:schemeClr val="bg2">
-                <a:tint val="94000"/>
-                <a:satMod val="80000"/>
-                <a:lumMod val="106000"/>
-              </a:schemeClr>
-            </a:gs>
-            <a:gs pos="100000">
-              <a:schemeClr val="bg2">
-                <a:shade val="80000"/>
-              </a:schemeClr>
-            </a:gs>
-          </a:gsLst>
-          <a:path path="circle">
-            <a:fillToRect l="43000" r="43000" b="100000"/>
-          </a:path>
-        </a:gradFill>
-        <a:effectLst/>
-      </p:bgPr>
-    </p:bg>
-    <p:spTree>
-      <p:nvGrpSpPr>
-        <p:cNvPr id="1" name=""/>
-        <p:cNvGrpSpPr/>
-        <p:nvPr/>
-      </p:nvGrpSpPr>
-      <p:grpSpPr>
-        <a:xfrm>
-          <a:off x="0" y="0"/>
-          <a:ext cx="0" cy="0"/>
-          <a:chOff x="0" y="0"/>
-          <a:chExt cx="0" cy="0"/>
-        </a:xfrm>
-      </p:grpSpPr>
-      <p:sp>
-        <p:nvSpPr>
-          <p:cNvPr id="2" name="Title 1">
-            <a:extLst>
-              <a:ext uri="{FF2B5EF4-FFF2-40B4-BE49-F238E27FC236}">
-                <a16:creationId xmlns:a16="http://schemas.microsoft.com/office/drawing/2014/main" id="{2CDC39E7-3B2D-5D4A-A834-9397731C5EED}"/>
-              </a:ext>
-            </a:extLst>
-          </p:cNvPr>
-          <p:cNvSpPr>
-            <a:spLocks noGrp="1"/>
-          </p:cNvSpPr>
-          <p:nvPr>
-            <p:ph type="title"/>
-          </p:nvPr>
-        </p:nvSpPr>
-        <p:spPr>
-          <a:xfrm>
-            <a:off x="1451579" y="804519"/>
-            <a:ext cx="9603275" cy="1049235"/>
-          </a:xfrm>
-        </p:spPr>
-        <p:txBody>
-          <a:bodyPr>
-            <a:normAutofit/>
-          </a:bodyPr>
-          <a:lstStyle/>
-          <a:p>
-            <a:r>
-              <a:rPr lang="en-US" dirty="0"/>
-              <a:t>Residual analysis</a:t>
-            </a:r>
-          </a:p>
-        </p:txBody>
-      </p:sp>
-      <p:sp>
-        <p:nvSpPr>
-          <p:cNvPr id="3" name="Content Placeholder 2">
-            <a:extLst>
-              <a:ext uri="{FF2B5EF4-FFF2-40B4-BE49-F238E27FC236}">
-                <a16:creationId xmlns:a16="http://schemas.microsoft.com/office/drawing/2014/main" id="{70EDF23D-40AA-6A4E-B69E-12212C8D111D}"/>
-              </a:ext>
-            </a:extLst>
-          </p:cNvPr>
-          <p:cNvSpPr>
-            <a:spLocks noGrp="1"/>
-          </p:cNvSpPr>
-          <p:nvPr>
-            <p:ph idx="1"/>
-          </p:nvPr>
-        </p:nvSpPr>
-        <p:spPr>
-          <a:xfrm>
-            <a:off x="914401" y="2015734"/>
-            <a:ext cx="4699734" cy="3450613"/>
-          </a:xfrm>
-        </p:spPr>
-        <p:txBody>
-          <a:bodyPr>
-            <a:normAutofit/>
-          </a:bodyPr>
-          <a:lstStyle/>
-          <a:p>
-            <a:r>
-              <a:rPr lang="en-US" dirty="0"/>
-              <a:t>The generated residuals are also helpful to us in a few ways. </a:t>
-            </a:r>
-          </a:p>
-          <a:p>
-            <a:r>
-              <a:rPr lang="en-US" dirty="0"/>
-              <a:t>We can graph the residuals along with X to examine. </a:t>
-            </a:r>
-          </a:p>
-          <a:p>
-            <a:r>
-              <a:rPr lang="en-US" dirty="0"/>
-              <a:t>We want this pattern of residuals to not have any patterns in it – to be more or less randomly spread out. </a:t>
-            </a:r>
-          </a:p>
-          <a:p>
-            <a:r>
-              <a:rPr lang="en-US" dirty="0"/>
-              <a:t>Why?</a:t>
-            </a:r>
-          </a:p>
-        </p:txBody>
-      </p:sp>
-      <p:pic>
-        <p:nvPicPr>
-          <p:cNvPr id="4" name="Picture 3">
-            <a:extLst>
-              <a:ext uri="{FF2B5EF4-FFF2-40B4-BE49-F238E27FC236}">
-                <a16:creationId xmlns:a16="http://schemas.microsoft.com/office/drawing/2014/main" id="{652E0B48-5A03-694B-9CC0-2134D1170CF7}"/>
-              </a:ext>
-            </a:extLst>
-          </p:cNvPr>
-          <p:cNvPicPr>
-            <a:picLocks noChangeAspect="1"/>
-          </p:cNvPicPr>
-          <p:nvPr/>
-        </p:nvPicPr>
-        <p:blipFill>
-          <a:blip r:embed="rId2"/>
-          <a:stretch>
-            <a:fillRect/>
-          </a:stretch>
-        </p:blipFill>
-        <p:spPr>
-          <a:xfrm>
-            <a:off x="5880100" y="1093664"/>
-            <a:ext cx="5905499" cy="5802153"/>
-          </a:xfrm>
-          <a:prstGeom prst="rect">
-            <a:avLst/>
-          </a:prstGeom>
-        </p:spPr>
-      </p:pic>
-    </p:spTree>
-    <p:extLst>
-      <p:ext uri="{BB962C8B-B14F-4D97-AF65-F5344CB8AC3E}">
-        <p14:creationId xmlns:p14="http://schemas.microsoft.com/office/powerpoint/2010/main" val="869783968"/>
-      </p:ext>
-    </p:extLst>
   </p:cSld>
   <p:clrMapOvr>
     <a:masterClrMapping/>
@@ -5748,7 +5809,7 @@
           <p:cNvPr id="2" name="Title 1">
             <a:extLst>
               <a:ext uri="{FF2B5EF4-FFF2-40B4-BE49-F238E27FC236}">
-                <a16:creationId xmlns:a16="http://schemas.microsoft.com/office/drawing/2014/main" id="{AFA51FD7-A9C7-CD4A-B394-4D9E37B6A26E}"/>
+                <a16:creationId xmlns:a16="http://schemas.microsoft.com/office/drawing/2014/main" id="{2CDC39E7-3B2D-5D4A-A834-9397731C5EED}"/>
               </a:ext>
             </a:extLst>
           </p:cNvPr>
@@ -5773,7 +5834,7 @@
           <a:p>
             <a:r>
               <a:rPr lang="en-US" dirty="0"/>
-              <a:t>Why Random?</a:t>
+              <a:t>Residual analysis</a:t>
             </a:r>
           </a:p>
         </p:txBody>
@@ -5783,7 +5844,7 @@
           <p:cNvPr id="3" name="Content Placeholder 2">
             <a:extLst>
               <a:ext uri="{FF2B5EF4-FFF2-40B4-BE49-F238E27FC236}">
-                <a16:creationId xmlns:a16="http://schemas.microsoft.com/office/drawing/2014/main" id="{C2822CE1-EEC2-DA4E-ACFC-03662AAD5629}"/>
+                <a16:creationId xmlns:a16="http://schemas.microsoft.com/office/drawing/2014/main" id="{70EDF23D-40AA-6A4E-B69E-12212C8D111D}"/>
               </a:ext>
             </a:extLst>
           </p:cNvPr>
@@ -5796,8 +5857,8 @@
         </p:nvSpPr>
         <p:spPr>
           <a:xfrm>
-            <a:off x="635000" y="2015734"/>
-            <a:ext cx="5359399" cy="4037747"/>
+            <a:off x="914401" y="2015734"/>
+            <a:ext cx="4699734" cy="3450613"/>
           </a:xfrm>
         </p:spPr>
         <p:txBody>
@@ -5808,101 +5869,63 @@
           <a:p>
             <a:r>
               <a:rPr lang="en-US" dirty="0"/>
-              <a:t>If there’s a pattern in the residuals it tells us that there’s some relationship here that isn’t captured in our actual model.</a:t>
-            </a:r>
-          </a:p>
-          <a:p>
-            <a:pPr lvl="1"/>
+              <a:t>The generated residuals are also helpful to us in a few ways. </a:t>
+            </a:r>
+          </a:p>
+          <a:p>
             <a:r>
               <a:rPr lang="en-US" dirty="0"/>
-              <a:t>Middle predictions too high, ends are too low. </a:t>
-            </a:r>
-          </a:p>
-          <a:p>
-            <a:pPr lvl="1"/>
+              <a:t>We can graph the residuals along with X to examine. </a:t>
+            </a:r>
+          </a:p>
+          <a:p>
             <a:r>
               <a:rPr lang="en-US" dirty="0"/>
-              <a:t>This pattern should be in the model!</a:t>
+              <a:t>We want this pattern of residuals to not have any patterns in it – to be more or less randomly spread out. </a:t>
             </a:r>
           </a:p>
           <a:p>
             <a:r>
               <a:rPr lang="en-US" dirty="0"/>
-              <a:t>Residuals should be:</a:t>
-            </a:r>
-          </a:p>
-          <a:p>
-            <a:pPr lvl="1"/>
-            <a:r>
-              <a:rPr lang="en-US" dirty="0"/>
-              <a:t>Uncorrelated with a variable.</a:t>
-            </a:r>
-          </a:p>
-          <a:p>
-            <a:pPr lvl="1"/>
-            <a:r>
-              <a:rPr lang="en-US" dirty="0"/>
-              <a:t>Uncorrelated with each other. </a:t>
-            </a:r>
-          </a:p>
-          <a:p>
-            <a:r>
-              <a:rPr lang="en-US" dirty="0"/>
-              <a:t>We shouldn’t be able to predict residuals. </a:t>
+              <a:t>Why?</a:t>
             </a:r>
           </a:p>
         </p:txBody>
       </p:sp>
       <p:pic>
         <p:nvPicPr>
-          <p:cNvPr id="2050" name="Picture 2" descr="Minitab's residuals versus fit plot with bad residuals">
+          <p:cNvPr id="4" name="Picture 3">
             <a:extLst>
               <a:ext uri="{FF2B5EF4-FFF2-40B4-BE49-F238E27FC236}">
-                <a16:creationId xmlns:a16="http://schemas.microsoft.com/office/drawing/2014/main" id="{62A0CAEA-4DD1-CA49-84C3-5091103E1D19}"/>
+                <a16:creationId xmlns:a16="http://schemas.microsoft.com/office/drawing/2014/main" id="{652E0B48-5A03-694B-9CC0-2134D1170CF7}"/>
               </a:ext>
             </a:extLst>
           </p:cNvPr>
           <p:cNvPicPr>
-            <a:picLocks noChangeAspect="1" noChangeArrowheads="1"/>
+            <a:picLocks noChangeAspect="1"/>
           </p:cNvPicPr>
           <p:nvPr/>
         </p:nvPicPr>
         <p:blipFill>
-          <a:blip r:embed="rId2">
-            <a:extLst>
-              <a:ext uri="{28A0092B-C50C-407E-A947-70E740481C1C}">
-                <a14:useLocalDpi xmlns:a14="http://schemas.microsoft.com/office/drawing/2010/main" val="0"/>
-              </a:ext>
-            </a:extLst>
-          </a:blip>
+          <a:blip r:embed="rId2"/>
           <a:stretch>
             <a:fillRect/>
           </a:stretch>
         </p:blipFill>
-        <p:spPr bwMode="auto">
-          <a:xfrm>
-            <a:off x="6094411" y="2087558"/>
-            <a:ext cx="5707862" cy="3805241"/>
+        <p:spPr>
+          <a:xfrm>
+            <a:off x="5880100" y="1093664"/>
+            <a:ext cx="5905499" cy="5802153"/>
           </a:xfrm>
           <a:prstGeom prst="rect">
             <a:avLst/>
           </a:prstGeom>
-          <a:noFill/>
-          <a:extLst>
-            <a:ext uri="{909E8E84-426E-40DD-AFC4-6F175D3DCCD1}">
-              <a14:hiddenFill xmlns:a14="http://schemas.microsoft.com/office/drawing/2010/main">
-                <a:solidFill>
-                  <a:srgbClr val="FFFFFF"/>
-                </a:solidFill>
-              </a14:hiddenFill>
-            </a:ext>
-          </a:extLst>
         </p:spPr>
       </p:pic>
     </p:spTree>
     <p:extLst>
       <p:ext uri="{BB962C8B-B14F-4D97-AF65-F5344CB8AC3E}">
-        <p14:creationId xmlns:p14="http://schemas.microsoft.com/office/powerpoint/2010/main" val="1812565449"/>
+        <p14:creationId xmlns:p14="http://schemas.microsoft.com/office/powerpoint/2010/main" val="869783968"/>
       </p:ext>
     </p:extLst>
   </p:cSld>
@@ -5913,194 +5936,6 @@
 </file>
 
 <file path=ppt/slides/slide14.xml><?xml version="1.0" encoding="utf-8"?>
-<p:sld xmlns:a="http://schemas.openxmlformats.org/drawingml/2006/main" xmlns:r="http://schemas.openxmlformats.org/officeDocument/2006/relationships" xmlns:p="http://schemas.openxmlformats.org/presentationml/2006/main">
-  <p:cSld>
-    <p:spTree>
-      <p:nvGrpSpPr>
-        <p:cNvPr id="1" name=""/>
-        <p:cNvGrpSpPr/>
-        <p:nvPr/>
-      </p:nvGrpSpPr>
-      <p:grpSpPr>
-        <a:xfrm>
-          <a:off x="0" y="0"/>
-          <a:ext cx="0" cy="0"/>
-          <a:chOff x="0" y="0"/>
-          <a:chExt cx="0" cy="0"/>
-        </a:xfrm>
-      </p:grpSpPr>
-      <p:sp>
-        <p:nvSpPr>
-          <p:cNvPr id="2" name="Title 1">
-            <a:extLst>
-              <a:ext uri="{FF2B5EF4-FFF2-40B4-BE49-F238E27FC236}">
-                <a16:creationId xmlns:a16="http://schemas.microsoft.com/office/drawing/2014/main" id="{77C3FDD7-7164-3D44-B4AF-1B7CD86E680E}"/>
-              </a:ext>
-            </a:extLst>
-          </p:cNvPr>
-          <p:cNvSpPr>
-            <a:spLocks noGrp="1"/>
-          </p:cNvSpPr>
-          <p:nvPr>
-            <p:ph type="title"/>
-          </p:nvPr>
-        </p:nvSpPr>
-        <p:spPr/>
-        <p:txBody>
-          <a:bodyPr/>
-          <a:lstStyle/>
-          <a:p>
-            <a:r>
-              <a:rPr lang="en-US" dirty="0"/>
-              <a:t>Other Packages</a:t>
-            </a:r>
-          </a:p>
-        </p:txBody>
-      </p:sp>
-      <p:sp>
-        <p:nvSpPr>
-          <p:cNvPr id="3" name="Content Placeholder 2">
-            <a:extLst>
-              <a:ext uri="{FF2B5EF4-FFF2-40B4-BE49-F238E27FC236}">
-                <a16:creationId xmlns:a16="http://schemas.microsoft.com/office/drawing/2014/main" id="{88F66A41-146A-E147-A72A-B35E0AEFB656}"/>
-              </a:ext>
-            </a:extLst>
-          </p:cNvPr>
-          <p:cNvSpPr>
-            <a:spLocks noGrp="1"/>
-          </p:cNvSpPr>
-          <p:nvPr>
-            <p:ph idx="1"/>
-          </p:nvPr>
-        </p:nvSpPr>
-        <p:spPr>
-          <a:xfrm>
-            <a:off x="1451579" y="2015732"/>
-            <a:ext cx="9603275" cy="4156468"/>
-          </a:xfrm>
-        </p:spPr>
-        <p:txBody>
-          <a:bodyPr>
-            <a:normAutofit/>
-          </a:bodyPr>
-          <a:lstStyle/>
-          <a:p>
-            <a:r>
-              <a:rPr lang="en-US" dirty="0"/>
-              <a:t>Linear regression is performed by many existing packages, such as </a:t>
-            </a:r>
-            <a:r>
-              <a:rPr lang="en-US" dirty="0" err="1"/>
-              <a:t>StatsModels</a:t>
-            </a:r>
-            <a:r>
-              <a:rPr lang="en-US" dirty="0"/>
-              <a:t>, </a:t>
-            </a:r>
-            <a:r>
-              <a:rPr lang="en-US" dirty="0" err="1"/>
-              <a:t>Scipy</a:t>
-            </a:r>
-            <a:r>
-              <a:rPr lang="en-US" dirty="0"/>
-              <a:t>, and </a:t>
-            </a:r>
-            <a:r>
-              <a:rPr lang="en-US" dirty="0" err="1"/>
-              <a:t>Scikitlearn</a:t>
-            </a:r>
-            <a:r>
-              <a:rPr lang="en-US" dirty="0"/>
-              <a:t>. </a:t>
-            </a:r>
-          </a:p>
-          <a:p>
-            <a:r>
-              <a:rPr lang="en-US" dirty="0"/>
-              <a:t>The book uses </a:t>
-            </a:r>
-            <a:r>
-              <a:rPr lang="en-US" dirty="0" err="1"/>
-              <a:t>StatsModels</a:t>
-            </a:r>
-            <a:r>
-              <a:rPr lang="en-US" dirty="0"/>
-              <a:t> when multiple regression starts. </a:t>
-            </a:r>
-          </a:p>
-          <a:p>
-            <a:r>
-              <a:rPr lang="en-US" dirty="0"/>
-              <a:t>Which you use doesn’t matter, it is a personal choice. </a:t>
-            </a:r>
-          </a:p>
-          <a:p>
-            <a:r>
-              <a:rPr lang="en-US" dirty="0"/>
-              <a:t>We’ll use both </a:t>
-            </a:r>
-            <a:r>
-              <a:rPr lang="en-US" dirty="0" err="1"/>
-              <a:t>StatsModels</a:t>
-            </a:r>
-            <a:r>
-              <a:rPr lang="en-US" dirty="0"/>
-              <a:t> and </a:t>
-            </a:r>
-            <a:r>
-              <a:rPr lang="en-US" dirty="0" err="1"/>
-              <a:t>Scikitlearn</a:t>
-            </a:r>
-            <a:r>
-              <a:rPr lang="en-US" dirty="0"/>
-              <a:t>:</a:t>
-            </a:r>
-          </a:p>
-          <a:p>
-            <a:pPr lvl="1"/>
-            <a:r>
-              <a:rPr lang="en-US" dirty="0" err="1"/>
-              <a:t>Statsmodels</a:t>
-            </a:r>
-            <a:r>
-              <a:rPr lang="en-US" dirty="0"/>
-              <a:t> provide more stats data in the output, so we will use that sometimes. </a:t>
-            </a:r>
-          </a:p>
-          <a:p>
-            <a:pPr lvl="1"/>
-            <a:r>
-              <a:rPr lang="en-US" dirty="0"/>
-              <a:t>The </a:t>
-            </a:r>
-            <a:r>
-              <a:rPr lang="en-US" dirty="0" err="1"/>
-              <a:t>scikitlearn</a:t>
-            </a:r>
-            <a:r>
-              <a:rPr lang="en-US" dirty="0"/>
-              <a:t> is probably more relevant experience for ML stuff. </a:t>
-            </a:r>
-          </a:p>
-          <a:p>
-            <a:endParaRPr lang="en-US" dirty="0"/>
-          </a:p>
-        </p:txBody>
-      </p:sp>
-    </p:spTree>
-    <p:extLst>
-      <p:ext uri="{BB962C8B-B14F-4D97-AF65-F5344CB8AC3E}">
-        <p14:creationId xmlns:p14="http://schemas.microsoft.com/office/powerpoint/2010/main" val="2723228470"/>
-      </p:ext>
-    </p:extLst>
-  </p:cSld>
-  <p:clrMapOvr>
-    <a:masterClrMapping/>
-  </p:clrMapOvr>
-</p:sld>
-</file>
-
-<file path=ppt/slides/slide15.xml><?xml version="1.0" encoding="utf-8"?>
 <p:sld xmlns:a="http://schemas.openxmlformats.org/drawingml/2006/main" xmlns:r="http://schemas.openxmlformats.org/officeDocument/2006/relationships" xmlns:p="http://schemas.openxmlformats.org/presentationml/2006/main">
   <p:cSld>
     <p:bg>
@@ -6146,6 +5981,423 @@
           <p:cNvPr id="2" name="Title 1">
             <a:extLst>
               <a:ext uri="{FF2B5EF4-FFF2-40B4-BE49-F238E27FC236}">
+                <a16:creationId xmlns:a16="http://schemas.microsoft.com/office/drawing/2014/main" id="{AFA51FD7-A9C7-CD4A-B394-4D9E37B6A26E}"/>
+              </a:ext>
+            </a:extLst>
+          </p:cNvPr>
+          <p:cNvSpPr>
+            <a:spLocks noGrp="1"/>
+          </p:cNvSpPr>
+          <p:nvPr>
+            <p:ph type="title"/>
+          </p:nvPr>
+        </p:nvSpPr>
+        <p:spPr>
+          <a:xfrm>
+            <a:off x="1451579" y="804519"/>
+            <a:ext cx="9603275" cy="1049235"/>
+          </a:xfrm>
+        </p:spPr>
+        <p:txBody>
+          <a:bodyPr>
+            <a:normAutofit/>
+          </a:bodyPr>
+          <a:lstStyle/>
+          <a:p>
+            <a:r>
+              <a:rPr lang="en-US" dirty="0"/>
+              <a:t>Why Random?</a:t>
+            </a:r>
+          </a:p>
+        </p:txBody>
+      </p:sp>
+      <p:sp>
+        <p:nvSpPr>
+          <p:cNvPr id="3" name="Content Placeholder 2">
+            <a:extLst>
+              <a:ext uri="{FF2B5EF4-FFF2-40B4-BE49-F238E27FC236}">
+                <a16:creationId xmlns:a16="http://schemas.microsoft.com/office/drawing/2014/main" id="{C2822CE1-EEC2-DA4E-ACFC-03662AAD5629}"/>
+              </a:ext>
+            </a:extLst>
+          </p:cNvPr>
+          <p:cNvSpPr>
+            <a:spLocks noGrp="1"/>
+          </p:cNvSpPr>
+          <p:nvPr>
+            <p:ph idx="1"/>
+          </p:nvPr>
+        </p:nvSpPr>
+        <p:spPr>
+          <a:xfrm>
+            <a:off x="635000" y="2015734"/>
+            <a:ext cx="5359399" cy="4037747"/>
+          </a:xfrm>
+        </p:spPr>
+        <p:txBody>
+          <a:bodyPr>
+            <a:normAutofit/>
+          </a:bodyPr>
+          <a:lstStyle/>
+          <a:p>
+            <a:r>
+              <a:rPr lang="en-US" dirty="0"/>
+              <a:t>If there’s a pattern in the residuals it tells us that there’s some relationship here that isn’t captured in our actual model.</a:t>
+            </a:r>
+          </a:p>
+          <a:p>
+            <a:pPr lvl="1"/>
+            <a:r>
+              <a:rPr lang="en-US" dirty="0"/>
+              <a:t>Middle predictions too high, ends are too low. </a:t>
+            </a:r>
+          </a:p>
+          <a:p>
+            <a:pPr lvl="1"/>
+            <a:r>
+              <a:rPr lang="en-US" dirty="0"/>
+              <a:t>This pattern should be in the model!</a:t>
+            </a:r>
+          </a:p>
+          <a:p>
+            <a:r>
+              <a:rPr lang="en-US" dirty="0"/>
+              <a:t>Residuals should be:</a:t>
+            </a:r>
+          </a:p>
+          <a:p>
+            <a:pPr lvl="1"/>
+            <a:r>
+              <a:rPr lang="en-US" dirty="0"/>
+              <a:t>Uncorrelated with a variable.</a:t>
+            </a:r>
+          </a:p>
+          <a:p>
+            <a:pPr lvl="1"/>
+            <a:r>
+              <a:rPr lang="en-US" dirty="0"/>
+              <a:t>Uncorrelated with each other. </a:t>
+            </a:r>
+          </a:p>
+          <a:p>
+            <a:r>
+              <a:rPr lang="en-US" dirty="0"/>
+              <a:t>We shouldn’t be able to predict residuals. </a:t>
+            </a:r>
+          </a:p>
+        </p:txBody>
+      </p:sp>
+      <p:pic>
+        <p:nvPicPr>
+          <p:cNvPr id="2050" name="Picture 2" descr="Minitab's residuals versus fit plot with bad residuals">
+            <a:extLst>
+              <a:ext uri="{FF2B5EF4-FFF2-40B4-BE49-F238E27FC236}">
+                <a16:creationId xmlns:a16="http://schemas.microsoft.com/office/drawing/2014/main" id="{62A0CAEA-4DD1-CA49-84C3-5091103E1D19}"/>
+              </a:ext>
+            </a:extLst>
+          </p:cNvPr>
+          <p:cNvPicPr>
+            <a:picLocks noChangeAspect="1" noChangeArrowheads="1"/>
+          </p:cNvPicPr>
+          <p:nvPr/>
+        </p:nvPicPr>
+        <p:blipFill>
+          <a:blip r:embed="rId2">
+            <a:extLst>
+              <a:ext uri="{28A0092B-C50C-407E-A947-70E740481C1C}">
+                <a14:useLocalDpi xmlns:a14="http://schemas.microsoft.com/office/drawing/2010/main" val="0"/>
+              </a:ext>
+            </a:extLst>
+          </a:blip>
+          <a:stretch>
+            <a:fillRect/>
+          </a:stretch>
+        </p:blipFill>
+        <p:spPr bwMode="auto">
+          <a:xfrm>
+            <a:off x="6094411" y="2087558"/>
+            <a:ext cx="5707862" cy="3805241"/>
+          </a:xfrm>
+          <a:prstGeom prst="rect">
+            <a:avLst/>
+          </a:prstGeom>
+          <a:noFill/>
+          <a:extLst>
+            <a:ext uri="{909E8E84-426E-40DD-AFC4-6F175D3DCCD1}">
+              <a14:hiddenFill xmlns:a14="http://schemas.microsoft.com/office/drawing/2010/main">
+                <a:solidFill>
+                  <a:srgbClr val="FFFFFF"/>
+                </a:solidFill>
+              </a14:hiddenFill>
+            </a:ext>
+          </a:extLst>
+        </p:spPr>
+      </p:pic>
+    </p:spTree>
+    <p:extLst>
+      <p:ext uri="{BB962C8B-B14F-4D97-AF65-F5344CB8AC3E}">
+        <p14:creationId xmlns:p14="http://schemas.microsoft.com/office/powerpoint/2010/main" val="1812565449"/>
+      </p:ext>
+    </p:extLst>
+  </p:cSld>
+  <p:clrMapOvr>
+    <a:masterClrMapping/>
+  </p:clrMapOvr>
+</p:sld>
+</file>
+
+<file path=ppt/slides/slide15.xml><?xml version="1.0" encoding="utf-8"?>
+<p:sld xmlns:a="http://schemas.openxmlformats.org/drawingml/2006/main" xmlns:r="http://schemas.openxmlformats.org/officeDocument/2006/relationships" xmlns:p="http://schemas.openxmlformats.org/presentationml/2006/main">
+  <p:cSld>
+    <p:spTree>
+      <p:nvGrpSpPr>
+        <p:cNvPr id="1" name=""/>
+        <p:cNvGrpSpPr/>
+        <p:nvPr/>
+      </p:nvGrpSpPr>
+      <p:grpSpPr>
+        <a:xfrm>
+          <a:off x="0" y="0"/>
+          <a:ext cx="0" cy="0"/>
+          <a:chOff x="0" y="0"/>
+          <a:chExt cx="0" cy="0"/>
+        </a:xfrm>
+      </p:grpSpPr>
+      <p:sp>
+        <p:nvSpPr>
+          <p:cNvPr id="2" name="Title 1">
+            <a:extLst>
+              <a:ext uri="{FF2B5EF4-FFF2-40B4-BE49-F238E27FC236}">
+                <a16:creationId xmlns:a16="http://schemas.microsoft.com/office/drawing/2014/main" id="{77C3FDD7-7164-3D44-B4AF-1B7CD86E680E}"/>
+              </a:ext>
+            </a:extLst>
+          </p:cNvPr>
+          <p:cNvSpPr>
+            <a:spLocks noGrp="1"/>
+          </p:cNvSpPr>
+          <p:nvPr>
+            <p:ph type="title"/>
+          </p:nvPr>
+        </p:nvSpPr>
+        <p:spPr/>
+        <p:txBody>
+          <a:bodyPr/>
+          <a:lstStyle/>
+          <a:p>
+            <a:r>
+              <a:rPr lang="en-US" dirty="0"/>
+              <a:t>Other Packages</a:t>
+            </a:r>
+          </a:p>
+        </p:txBody>
+      </p:sp>
+      <p:sp>
+        <p:nvSpPr>
+          <p:cNvPr id="3" name="Content Placeholder 2">
+            <a:extLst>
+              <a:ext uri="{FF2B5EF4-FFF2-40B4-BE49-F238E27FC236}">
+                <a16:creationId xmlns:a16="http://schemas.microsoft.com/office/drawing/2014/main" id="{88F66A41-146A-E147-A72A-B35E0AEFB656}"/>
+              </a:ext>
+            </a:extLst>
+          </p:cNvPr>
+          <p:cNvSpPr>
+            <a:spLocks noGrp="1"/>
+          </p:cNvSpPr>
+          <p:nvPr>
+            <p:ph idx="1"/>
+          </p:nvPr>
+        </p:nvSpPr>
+        <p:spPr>
+          <a:xfrm>
+            <a:off x="869795" y="2015732"/>
+            <a:ext cx="10526751" cy="4156468"/>
+          </a:xfrm>
+        </p:spPr>
+        <p:txBody>
+          <a:bodyPr>
+            <a:normAutofit/>
+          </a:bodyPr>
+          <a:lstStyle/>
+          <a:p>
+            <a:r>
+              <a:rPr lang="en-US" dirty="0"/>
+              <a:t>Linear regression is performed by many existing packages, such as </a:t>
+            </a:r>
+            <a:r>
+              <a:rPr lang="en-US" dirty="0" err="1"/>
+              <a:t>StatsModels</a:t>
+            </a:r>
+            <a:r>
+              <a:rPr lang="en-US" dirty="0"/>
+              <a:t>, </a:t>
+            </a:r>
+            <a:r>
+              <a:rPr lang="en-US" dirty="0" err="1"/>
+              <a:t>Scipy</a:t>
+            </a:r>
+            <a:r>
+              <a:rPr lang="en-US" dirty="0"/>
+              <a:t>, and </a:t>
+            </a:r>
+            <a:r>
+              <a:rPr lang="en-US" dirty="0" err="1"/>
+              <a:t>Scikitlearn</a:t>
+            </a:r>
+            <a:r>
+              <a:rPr lang="en-US" dirty="0"/>
+              <a:t>. </a:t>
+            </a:r>
+          </a:p>
+          <a:p>
+            <a:r>
+              <a:rPr lang="en-US" dirty="0"/>
+              <a:t>The book uses </a:t>
+            </a:r>
+            <a:r>
+              <a:rPr lang="en-US" dirty="0" err="1"/>
+              <a:t>StatsModels</a:t>
+            </a:r>
+            <a:r>
+              <a:rPr lang="en-US" dirty="0"/>
+              <a:t> when multiple regression starts. </a:t>
+            </a:r>
+          </a:p>
+          <a:p>
+            <a:r>
+              <a:rPr lang="en-US" dirty="0"/>
+              <a:t>Which you use mostly doesn’t matter, it is a personal choice. </a:t>
+            </a:r>
+          </a:p>
+          <a:p>
+            <a:r>
+              <a:rPr lang="en-US" dirty="0"/>
+              <a:t>We’ll use both </a:t>
+            </a:r>
+            <a:r>
+              <a:rPr lang="en-US" dirty="0" err="1"/>
+              <a:t>StatsModels</a:t>
+            </a:r>
+            <a:r>
+              <a:rPr lang="en-US" dirty="0"/>
+              <a:t> and </a:t>
+            </a:r>
+            <a:r>
+              <a:rPr lang="en-US" dirty="0" err="1"/>
+              <a:t>Scikitlearn</a:t>
+            </a:r>
+            <a:r>
+              <a:rPr lang="en-US" dirty="0"/>
+              <a:t>:</a:t>
+            </a:r>
+          </a:p>
+          <a:p>
+            <a:pPr lvl="1"/>
+            <a:r>
+              <a:rPr lang="en-US" dirty="0" err="1"/>
+              <a:t>Statsmodels</a:t>
+            </a:r>
+            <a:r>
+              <a:rPr lang="en-US" dirty="0"/>
+              <a:t> provide more stats data in the output, so we will use that sometimes. </a:t>
+            </a:r>
+          </a:p>
+          <a:p>
+            <a:pPr lvl="1"/>
+            <a:r>
+              <a:rPr lang="en-US" dirty="0"/>
+              <a:t>The </a:t>
+            </a:r>
+            <a:r>
+              <a:rPr lang="en-US" dirty="0" err="1"/>
+              <a:t>scikitlearn</a:t>
+            </a:r>
+            <a:r>
+              <a:rPr lang="en-US" dirty="0"/>
+              <a:t> is probably more relevant experience for ML stuff. </a:t>
+            </a:r>
+          </a:p>
+          <a:p>
+            <a:r>
+              <a:rPr lang="en-US" dirty="0"/>
+              <a:t>I think going forward I might replace some of the </a:t>
+            </a:r>
+            <a:r>
+              <a:rPr lang="en-US" dirty="0" err="1"/>
+              <a:t>statsmodels</a:t>
+            </a:r>
+            <a:r>
+              <a:rPr lang="en-US" dirty="0"/>
+              <a:t> examples in future workbooks with </a:t>
+            </a:r>
+            <a:r>
+              <a:rPr lang="en-US" dirty="0" err="1"/>
+              <a:t>sklearn</a:t>
+            </a:r>
+            <a:r>
+              <a:rPr lang="en-US" dirty="0"/>
+              <a:t> one. The interface is easier, and it is more relevant to ML. </a:t>
+            </a:r>
+          </a:p>
+        </p:txBody>
+      </p:sp>
+    </p:spTree>
+    <p:extLst>
+      <p:ext uri="{BB962C8B-B14F-4D97-AF65-F5344CB8AC3E}">
+        <p14:creationId xmlns:p14="http://schemas.microsoft.com/office/powerpoint/2010/main" val="2723228470"/>
+      </p:ext>
+    </p:extLst>
+  </p:cSld>
+  <p:clrMapOvr>
+    <a:masterClrMapping/>
+  </p:clrMapOvr>
+</p:sld>
+</file>
+
+<file path=ppt/slides/slide16.xml><?xml version="1.0" encoding="utf-8"?>
+<p:sld xmlns:a="http://schemas.openxmlformats.org/drawingml/2006/main" xmlns:r="http://schemas.openxmlformats.org/officeDocument/2006/relationships" xmlns:p="http://schemas.openxmlformats.org/presentationml/2006/main">
+  <p:cSld>
+    <p:bg>
+      <p:bgPr>
+        <a:gradFill rotWithShape="1">
+          <a:gsLst>
+            <a:gs pos="0">
+              <a:schemeClr val="bg2">
+                <a:tint val="94000"/>
+                <a:satMod val="80000"/>
+                <a:lumMod val="106000"/>
+              </a:schemeClr>
+            </a:gs>
+            <a:gs pos="100000">
+              <a:schemeClr val="bg2">
+                <a:shade val="80000"/>
+              </a:schemeClr>
+            </a:gs>
+          </a:gsLst>
+          <a:path path="circle">
+            <a:fillToRect l="43000" r="43000" b="100000"/>
+          </a:path>
+        </a:gradFill>
+        <a:effectLst/>
+      </p:bgPr>
+    </p:bg>
+    <p:spTree>
+      <p:nvGrpSpPr>
+        <p:cNvPr id="1" name=""/>
+        <p:cNvGrpSpPr/>
+        <p:nvPr/>
+      </p:nvGrpSpPr>
+      <p:grpSpPr>
+        <a:xfrm>
+          <a:off x="0" y="0"/>
+          <a:ext cx="0" cy="0"/>
+          <a:chOff x="0" y="0"/>
+          <a:chExt cx="0" cy="0"/>
+        </a:xfrm>
+      </p:grpSpPr>
+      <p:sp>
+        <p:nvSpPr>
+          <p:cNvPr id="2" name="Title 1">
+            <a:extLst>
+              <a:ext uri="{FF2B5EF4-FFF2-40B4-BE49-F238E27FC236}">
                 <a16:creationId xmlns:a16="http://schemas.microsoft.com/office/drawing/2014/main" id="{AC005CA8-1CC9-B945-8B41-835F480E8FCE}"/>
               </a:ext>
             </a:extLst>
@@ -6357,7 +6609,7 @@
 </p:sld>
 </file>
 
-<file path=ppt/slides/slide16.xml><?xml version="1.0" encoding="utf-8"?>
+<file path=ppt/slides/slide17.xml><?xml version="1.0" encoding="utf-8"?>
 <p:sld xmlns:a="http://schemas.openxmlformats.org/drawingml/2006/main" xmlns:r="http://schemas.openxmlformats.org/officeDocument/2006/relationships" xmlns:p="http://schemas.openxmlformats.org/presentationml/2006/main">
   <p:cSld>
     <p:spTree>
@@ -6501,6 +6753,91 @@
           <p:cNvPr id="2" name="Title 1">
             <a:extLst>
               <a:ext uri="{FF2B5EF4-FFF2-40B4-BE49-F238E27FC236}">
+                <a16:creationId xmlns:a16="http://schemas.microsoft.com/office/drawing/2014/main" id="{786C86F8-E267-0D46-B219-0ADCF4337BA9}"/>
+              </a:ext>
+            </a:extLst>
+          </p:cNvPr>
+          <p:cNvSpPr>
+            <a:spLocks noGrp="1"/>
+          </p:cNvSpPr>
+          <p:nvPr>
+            <p:ph type="ctrTitle"/>
+          </p:nvPr>
+        </p:nvSpPr>
+        <p:spPr/>
+        <p:txBody>
+          <a:bodyPr>
+            <a:normAutofit fontScale="90000"/>
+          </a:bodyPr>
+          <a:lstStyle/>
+          <a:p>
+            <a:r>
+              <a:rPr lang="en-US" dirty="0"/>
+              <a:t>Linear Least Squares, Regression, and More Fun Stuff!!! Part 1. </a:t>
+            </a:r>
+          </a:p>
+        </p:txBody>
+      </p:sp>
+      <p:sp>
+        <p:nvSpPr>
+          <p:cNvPr id="3" name="Subtitle 2">
+            <a:extLst>
+              <a:ext uri="{FF2B5EF4-FFF2-40B4-BE49-F238E27FC236}">
+                <a16:creationId xmlns:a16="http://schemas.microsoft.com/office/drawing/2014/main" id="{5FBA7666-BF3D-1449-A59F-D3BBC097A719}"/>
+              </a:ext>
+            </a:extLst>
+          </p:cNvPr>
+          <p:cNvSpPr>
+            <a:spLocks noGrp="1"/>
+          </p:cNvSpPr>
+          <p:nvPr>
+            <p:ph type="subTitle" idx="1"/>
+          </p:nvPr>
+        </p:nvSpPr>
+        <p:spPr/>
+        <p:txBody>
+          <a:bodyPr/>
+          <a:lstStyle/>
+          <a:p>
+            <a:endParaRPr lang="en-US"/>
+          </a:p>
+        </p:txBody>
+      </p:sp>
+    </p:spTree>
+    <p:extLst>
+      <p:ext uri="{BB962C8B-B14F-4D97-AF65-F5344CB8AC3E}">
+        <p14:creationId xmlns:p14="http://schemas.microsoft.com/office/powerpoint/2010/main" val="3076179563"/>
+      </p:ext>
+    </p:extLst>
+  </p:cSld>
+  <p:clrMapOvr>
+    <a:masterClrMapping/>
+  </p:clrMapOvr>
+</p:sld>
+</file>
+
+<file path=ppt/slides/slide3.xml><?xml version="1.0" encoding="utf-8"?>
+<p:sld xmlns:a="http://schemas.openxmlformats.org/drawingml/2006/main" xmlns:r="http://schemas.openxmlformats.org/officeDocument/2006/relationships" xmlns:p="http://schemas.openxmlformats.org/presentationml/2006/main">
+  <p:cSld>
+    <p:spTree>
+      <p:nvGrpSpPr>
+        <p:cNvPr id="1" name=""/>
+        <p:cNvGrpSpPr/>
+        <p:nvPr/>
+      </p:nvGrpSpPr>
+      <p:grpSpPr>
+        <a:xfrm>
+          <a:off x="0" y="0"/>
+          <a:ext cx="0" cy="0"/>
+          <a:chOff x="0" y="0"/>
+          <a:chExt cx="0" cy="0"/>
+        </a:xfrm>
+      </p:grpSpPr>
+      <p:sp>
+        <p:nvSpPr>
+          <p:cNvPr id="2" name="Title 1">
+            <a:extLst>
+              <a:ext uri="{FF2B5EF4-FFF2-40B4-BE49-F238E27FC236}">
                 <a16:creationId xmlns:a16="http://schemas.microsoft.com/office/drawing/2014/main" id="{C7CA5A1A-326F-8D46-B459-7A1D8843F566}"/>
               </a:ext>
             </a:extLst>
@@ -6566,7 +6903,7 @@
           </a:p>
           <a:p>
             <a:r>
-              <a:rPr lang="en-US" dirty="0"/>
+              <a:rPr lang="en-US" b="1" dirty="0"/>
               <a:t>This process is also a simple predictive model – we provide X and get a prediction for Y. </a:t>
             </a:r>
           </a:p>
@@ -6604,7 +6941,7 @@
 </p:sld>
 </file>
 
-<file path=ppt/slides/slide3.xml><?xml version="1.0" encoding="utf-8"?>
+<file path=ppt/slides/slide4.xml><?xml version="1.0" encoding="utf-8"?>
 <p:sld xmlns:a="http://schemas.openxmlformats.org/drawingml/2006/main" xmlns:r="http://schemas.openxmlformats.org/officeDocument/2006/relationships" xmlns:p="http://schemas.openxmlformats.org/presentationml/2006/main">
   <p:cSld>
     <p:spTree>
@@ -6763,7 +7100,7 @@
 </p:sld>
 </file>
 
-<file path=ppt/slides/slide4.xml><?xml version="1.0" encoding="utf-8"?>
+<file path=ppt/slides/slide5.xml><?xml version="1.0" encoding="utf-8"?>
 <p:sld xmlns:a="http://schemas.openxmlformats.org/drawingml/2006/main" xmlns:r="http://schemas.openxmlformats.org/officeDocument/2006/relationships" xmlns:p="http://schemas.openxmlformats.org/presentationml/2006/main">
   <p:cSld>
     <p:spTree>
@@ -7103,7 +7440,7 @@
 </p:sld>
 </file>
 
-<file path=ppt/slides/slide5.xml><?xml version="1.0" encoding="utf-8"?>
+<file path=ppt/slides/slide6.xml><?xml version="1.0" encoding="utf-8"?>
 <p:sld xmlns:a="http://schemas.openxmlformats.org/drawingml/2006/main" xmlns:r="http://schemas.openxmlformats.org/officeDocument/2006/relationships" xmlns:p="http://schemas.openxmlformats.org/presentationml/2006/main">
   <p:cSld>
     <p:spTree>
@@ -7302,7 +7639,7 @@
 </p:sld>
 </file>
 
-<file path=ppt/slides/slide6.xml><?xml version="1.0" encoding="utf-8"?>
+<file path=ppt/slides/slide7.xml><?xml version="1.0" encoding="utf-8"?>
 <p:sld xmlns:a="http://schemas.openxmlformats.org/drawingml/2006/main" xmlns:r="http://schemas.openxmlformats.org/officeDocument/2006/relationships" xmlns:p="http://schemas.openxmlformats.org/presentationml/2006/main">
   <p:cSld>
     <p:spTree>
@@ -7498,7 +7835,7 @@
 </p:sld>
 </file>
 
-<file path=ppt/slides/slide7.xml><?xml version="1.0" encoding="utf-8"?>
+<file path=ppt/slides/slide8.xml><?xml version="1.0" encoding="utf-8"?>
 <p:sld xmlns:a="http://schemas.openxmlformats.org/drawingml/2006/main" xmlns:r="http://schemas.openxmlformats.org/officeDocument/2006/relationships" xmlns:p="http://schemas.openxmlformats.org/presentationml/2006/main">
   <p:cSld>
     <p:spTree>
@@ -7760,7 +8097,7 @@
 </p:sld>
 </file>
 
-<file path=ppt/slides/slide8.xml><?xml version="1.0" encoding="utf-8"?>
+<file path=ppt/slides/slide9.xml><?xml version="1.0" encoding="utf-8"?>
 <p:sld xmlns:a="http://schemas.openxmlformats.org/drawingml/2006/main" xmlns:r="http://schemas.openxmlformats.org/officeDocument/2006/relationships" xmlns:p="http://schemas.openxmlformats.org/presentationml/2006/main">
   <p:cSld>
     <p:spTree>
@@ -7878,132 +8215,6 @@
     <p:extLst>
       <p:ext uri="{BB962C8B-B14F-4D97-AF65-F5344CB8AC3E}">
         <p14:creationId xmlns:p14="http://schemas.microsoft.com/office/powerpoint/2010/main" val="372303413"/>
-      </p:ext>
-    </p:extLst>
-  </p:cSld>
-  <p:clrMapOvr>
-    <a:masterClrMapping/>
-  </p:clrMapOvr>
-</p:sld>
-</file>
-
-<file path=ppt/slides/slide9.xml><?xml version="1.0" encoding="utf-8"?>
-<p:sld xmlns:a="http://schemas.openxmlformats.org/drawingml/2006/main" xmlns:r="http://schemas.openxmlformats.org/officeDocument/2006/relationships" xmlns:p="http://schemas.openxmlformats.org/presentationml/2006/main">
-  <p:cSld>
-    <p:spTree>
-      <p:nvGrpSpPr>
-        <p:cNvPr id="1" name=""/>
-        <p:cNvGrpSpPr/>
-        <p:nvPr/>
-      </p:nvGrpSpPr>
-      <p:grpSpPr>
-        <a:xfrm>
-          <a:off x="0" y="0"/>
-          <a:ext cx="0" cy="0"/>
-          <a:chOff x="0" y="0"/>
-          <a:chExt cx="0" cy="0"/>
-        </a:xfrm>
-      </p:grpSpPr>
-      <p:sp>
-        <p:nvSpPr>
-          <p:cNvPr id="2" name="Title 1">
-            <a:extLst>
-              <a:ext uri="{FF2B5EF4-FFF2-40B4-BE49-F238E27FC236}">
-                <a16:creationId xmlns:a16="http://schemas.microsoft.com/office/drawing/2014/main" id="{D2377D06-4713-E84F-8E72-AEB2C4E799B2}"/>
-              </a:ext>
-            </a:extLst>
-          </p:cNvPr>
-          <p:cNvSpPr>
-            <a:spLocks noGrp="1"/>
-          </p:cNvSpPr>
-          <p:nvPr>
-            <p:ph type="title"/>
-          </p:nvPr>
-        </p:nvSpPr>
-        <p:spPr/>
-        <p:txBody>
-          <a:bodyPr/>
-          <a:lstStyle/>
-          <a:p>
-            <a:r>
-              <a:rPr lang="en-US" dirty="0"/>
-              <a:t>Linear Least Squares</a:t>
-            </a:r>
-          </a:p>
-        </p:txBody>
-      </p:sp>
-      <p:sp>
-        <p:nvSpPr>
-          <p:cNvPr id="3" name="Content Placeholder 2">
-            <a:extLst>
-              <a:ext uri="{FF2B5EF4-FFF2-40B4-BE49-F238E27FC236}">
-                <a16:creationId xmlns:a16="http://schemas.microsoft.com/office/drawing/2014/main" id="{6CCE09E0-766C-6C47-8DAE-98FAF64B07EB}"/>
-              </a:ext>
-            </a:extLst>
-          </p:cNvPr>
-          <p:cNvSpPr>
-            <a:spLocks noGrp="1"/>
-          </p:cNvSpPr>
-          <p:nvPr>
-            <p:ph idx="1"/>
-          </p:nvPr>
-        </p:nvSpPr>
-        <p:spPr/>
-        <p:txBody>
-          <a:bodyPr/>
-          <a:lstStyle/>
-          <a:p>
-            <a:r>
-              <a:rPr lang="en-US" dirty="0"/>
-              <a:t>The line can be defined by the intercept and slope.</a:t>
-            </a:r>
-          </a:p>
-          <a:p>
-            <a:r>
-              <a:rPr lang="en-US" dirty="0"/>
-              <a:t>We generate a line that minimizes the square of the residuals. </a:t>
-            </a:r>
-          </a:p>
-          <a:p>
-            <a:r>
-              <a:rPr lang="en-US" dirty="0"/>
-              <a:t>Why?</a:t>
-            </a:r>
-          </a:p>
-          <a:p>
-            <a:pPr lvl="1"/>
-            <a:r>
-              <a:rPr lang="en-US" dirty="0"/>
-              <a:t>Small differences matter less than big ones.</a:t>
-            </a:r>
-          </a:p>
-          <a:p>
-            <a:pPr lvl="1"/>
-            <a:r>
-              <a:rPr lang="en-US" dirty="0"/>
-              <a:t>Squaring deals with negatives. </a:t>
-            </a:r>
-          </a:p>
-          <a:p>
-            <a:pPr lvl="1"/>
-            <a:r>
-              <a:rPr lang="en-US" dirty="0"/>
-              <a:t>Computationally efficient. (Mattered more in the past)</a:t>
-            </a:r>
-          </a:p>
-          <a:p>
-            <a:pPr lvl="1"/>
-            <a:r>
-              <a:rPr lang="en-US" dirty="0"/>
-              <a:t>Is (potentially) a good estimator for slope and intercept. </a:t>
-            </a:r>
-          </a:p>
-        </p:txBody>
-      </p:sp>
-    </p:spTree>
-    <p:extLst>
-      <p:ext uri="{BB962C8B-B14F-4D97-AF65-F5344CB8AC3E}">
-        <p14:creationId xmlns:p14="http://schemas.microsoft.com/office/powerpoint/2010/main" val="2081442222"/>
       </p:ext>
     </p:extLst>
   </p:cSld>
